--- a/syllabus/week-01-2-course-outline-and-intro-to-DW/course_outline_and_DW_concepts/01_introduction_to_DW_course.pptx
+++ b/syllabus/week-01-2-course-outline-and-intro-to-DW/course_outline_and_DW_concepts/01_introduction_to_DW_course.pptx
@@ -244,7 +244,7 @@
           <a:p>
             <a:fld id="{D2652905-340A-7446-B80D-69FC56D9E8B0}" type="datetimeFigureOut">
               <a:rPr lang="en-US" smtClean="0"/>
-              <a:t>12/19/24</a:t>
+              <a:t>4/1/25</a:t>
             </a:fld>
             <a:endParaRPr lang="en-US"/>
           </a:p>
@@ -3048,7 +3048,7 @@
           <a:p>
             <a:fld id="{112779B1-49FA-AE40-A30D-0FBD14D02E5A}" type="datetimeFigureOut">
               <a:rPr lang="en-US" smtClean="0"/>
-              <a:t>12/19/24</a:t>
+              <a:t>4/1/25</a:t>
             </a:fld>
             <a:endParaRPr lang="en-US"/>
           </a:p>
@@ -3339,7 +3339,7 @@
           <a:p>
             <a:fld id="{112779B1-49FA-AE40-A30D-0FBD14D02E5A}" type="datetimeFigureOut">
               <a:rPr lang="en-US" smtClean="0"/>
-              <a:t>12/19/24</a:t>
+              <a:t>4/1/25</a:t>
             </a:fld>
             <a:endParaRPr lang="en-US"/>
           </a:p>
@@ -3512,7 +3512,7 @@
           <a:p>
             <a:fld id="{112779B1-49FA-AE40-A30D-0FBD14D02E5A}" type="datetimeFigureOut">
               <a:rPr lang="en-US" smtClean="0"/>
-              <a:t>12/19/24</a:t>
+              <a:t>4/1/25</a:t>
             </a:fld>
             <a:endParaRPr lang="en-US"/>
           </a:p>
@@ -3676,7 +3676,7 @@
           <a:p>
             <a:fld id="{112779B1-49FA-AE40-A30D-0FBD14D02E5A}" type="datetimeFigureOut">
               <a:rPr lang="en-US" smtClean="0"/>
-              <a:t>12/19/24</a:t>
+              <a:t>4/1/25</a:t>
             </a:fld>
             <a:endParaRPr lang="en-US"/>
           </a:p>
@@ -3925,7 +3925,7 @@
           <a:p>
             <a:fld id="{112779B1-49FA-AE40-A30D-0FBD14D02E5A}" type="datetimeFigureOut">
               <a:rPr lang="en-US" smtClean="0"/>
-              <a:t>12/19/24</a:t>
+              <a:t>4/1/25</a:t>
             </a:fld>
             <a:endParaRPr lang="en-US"/>
           </a:p>
@@ -4207,7 +4207,7 @@
           <a:p>
             <a:fld id="{112779B1-49FA-AE40-A30D-0FBD14D02E5A}" type="datetimeFigureOut">
               <a:rPr lang="en-US" smtClean="0"/>
-              <a:t>12/19/24</a:t>
+              <a:t>4/1/25</a:t>
             </a:fld>
             <a:endParaRPr lang="en-US"/>
           </a:p>
@@ -4645,7 +4645,7 @@
           <a:p>
             <a:fld id="{112779B1-49FA-AE40-A30D-0FBD14D02E5A}" type="datetimeFigureOut">
               <a:rPr lang="en-US" smtClean="0"/>
-              <a:t>12/19/24</a:t>
+              <a:t>4/1/25</a:t>
             </a:fld>
             <a:endParaRPr lang="en-US"/>
           </a:p>
@@ -4757,7 +4757,7 @@
           <a:p>
             <a:fld id="{112779B1-49FA-AE40-A30D-0FBD14D02E5A}" type="datetimeFigureOut">
               <a:rPr lang="en-US" smtClean="0"/>
-              <a:t>12/19/24</a:t>
+              <a:t>4/1/25</a:t>
             </a:fld>
             <a:endParaRPr lang="en-US"/>
           </a:p>
@@ -4847,7 +4847,7 @@
           <a:p>
             <a:fld id="{112779B1-49FA-AE40-A30D-0FBD14D02E5A}" type="datetimeFigureOut">
               <a:rPr lang="en-US" smtClean="0"/>
-              <a:t>12/19/24</a:t>
+              <a:t>4/1/25</a:t>
             </a:fld>
             <a:endParaRPr lang="en-US"/>
           </a:p>
@@ -5089,7 +5089,7 @@
           <a:p>
             <a:fld id="{112779B1-49FA-AE40-A30D-0FBD14D02E5A}" type="datetimeFigureOut">
               <a:rPr lang="en-US" smtClean="0"/>
-              <a:t>12/19/24</a:t>
+              <a:t>4/1/25</a:t>
             </a:fld>
             <a:endParaRPr lang="en-US"/>
           </a:p>
@@ -5381,7 +5381,7 @@
           <a:p>
             <a:fld id="{112779B1-49FA-AE40-A30D-0FBD14D02E5A}" type="datetimeFigureOut">
               <a:rPr lang="en-US" smtClean="0"/>
-              <a:t>12/19/24</a:t>
+              <a:t>4/1/25</a:t>
             </a:fld>
             <a:endParaRPr lang="en-US"/>
           </a:p>
@@ -5675,7 +5675,7 @@
           <a:p>
             <a:fld id="{112779B1-49FA-AE40-A30D-0FBD14D02E5A}" type="datetimeFigureOut">
               <a:rPr lang="en-US" smtClean="0"/>
-              <a:t>12/19/24</a:t>
+              <a:t>4/1/25</a:t>
             </a:fld>
             <a:endParaRPr lang="en-US"/>
           </a:p>
@@ -11926,7 +11926,7 @@
             </a:pPr>
             <a:r>
               <a:rPr lang="en-US" sz="2400" dirty="0"/>
-              <a:t>Tuesday:	5:45pm – 7:20pm PST</a:t>
+              <a:t>Tuesday:	5:40pm – 7:20pm PST</a:t>
             </a:r>
           </a:p>
           <a:p>
@@ -11937,7 +11937,15 @@
             </a:pPr>
             <a:r>
               <a:rPr lang="en-US" sz="2400" dirty="0"/>
-              <a:t>Thursday:	5:45pm – 7:20pm PST</a:t>
+              <a:t>Thursday:</a:t>
+            </a:r>
+            <a:r>
+              <a:rPr lang="en-US" sz="2400"/>
+              <a:t>	5:40pm </a:t>
+            </a:r>
+            <a:r>
+              <a:rPr lang="en-US" sz="2400" dirty="0"/>
+              <a:t>– 7:20pm PST</a:t>
             </a:r>
           </a:p>
           <a:p>
